--- a/docs/diagrams/UndoRedoStateDiagrams.pptx
+++ b/docs/diagrams/UndoRedoStateDiagrams.pptx
@@ -268,7 +268,7 @@
           <a:p>
             <a:fld id="{CD88FA10-319D-485D-91F6-6DF57CCD699B}" type="datetimeFigureOut">
               <a:rPr lang="en-SG" smtClean="0"/>
-              <a:t>23/10/2020</a:t>
+              <a:t>6/11/2020</a:t>
             </a:fld>
             <a:endParaRPr lang="en-SG"/>
           </a:p>
@@ -468,7 +468,7 @@
           <a:p>
             <a:fld id="{CD88FA10-319D-485D-91F6-6DF57CCD699B}" type="datetimeFigureOut">
               <a:rPr lang="en-SG" smtClean="0"/>
-              <a:t>23/10/2020</a:t>
+              <a:t>6/11/2020</a:t>
             </a:fld>
             <a:endParaRPr lang="en-SG"/>
           </a:p>
@@ -678,7 +678,7 @@
           <a:p>
             <a:fld id="{CD88FA10-319D-485D-91F6-6DF57CCD699B}" type="datetimeFigureOut">
               <a:rPr lang="en-SG" smtClean="0"/>
-              <a:t>23/10/2020</a:t>
+              <a:t>6/11/2020</a:t>
             </a:fld>
             <a:endParaRPr lang="en-SG"/>
           </a:p>
@@ -878,7 +878,7 @@
           <a:p>
             <a:fld id="{CD88FA10-319D-485D-91F6-6DF57CCD699B}" type="datetimeFigureOut">
               <a:rPr lang="en-SG" smtClean="0"/>
-              <a:t>23/10/2020</a:t>
+              <a:t>6/11/2020</a:t>
             </a:fld>
             <a:endParaRPr lang="en-SG"/>
           </a:p>
@@ -1154,7 +1154,7 @@
           <a:p>
             <a:fld id="{CD88FA10-319D-485D-91F6-6DF57CCD699B}" type="datetimeFigureOut">
               <a:rPr lang="en-SG" smtClean="0"/>
-              <a:t>23/10/2020</a:t>
+              <a:t>6/11/2020</a:t>
             </a:fld>
             <a:endParaRPr lang="en-SG"/>
           </a:p>
@@ -1422,7 +1422,7 @@
           <a:p>
             <a:fld id="{CD88FA10-319D-485D-91F6-6DF57CCD699B}" type="datetimeFigureOut">
               <a:rPr lang="en-SG" smtClean="0"/>
-              <a:t>23/10/2020</a:t>
+              <a:t>6/11/2020</a:t>
             </a:fld>
             <a:endParaRPr lang="en-SG"/>
           </a:p>
@@ -1837,7 +1837,7 @@
           <a:p>
             <a:fld id="{CD88FA10-319D-485D-91F6-6DF57CCD699B}" type="datetimeFigureOut">
               <a:rPr lang="en-SG" smtClean="0"/>
-              <a:t>23/10/2020</a:t>
+              <a:t>6/11/2020</a:t>
             </a:fld>
             <a:endParaRPr lang="en-SG"/>
           </a:p>
@@ -1979,7 +1979,7 @@
           <a:p>
             <a:fld id="{CD88FA10-319D-485D-91F6-6DF57CCD699B}" type="datetimeFigureOut">
               <a:rPr lang="en-SG" smtClean="0"/>
-              <a:t>23/10/2020</a:t>
+              <a:t>6/11/2020</a:t>
             </a:fld>
             <a:endParaRPr lang="en-SG"/>
           </a:p>
@@ -2092,7 +2092,7 @@
           <a:p>
             <a:fld id="{CD88FA10-319D-485D-91F6-6DF57CCD699B}" type="datetimeFigureOut">
               <a:rPr lang="en-SG" smtClean="0"/>
-              <a:t>23/10/2020</a:t>
+              <a:t>6/11/2020</a:t>
             </a:fld>
             <a:endParaRPr lang="en-SG"/>
           </a:p>
@@ -2405,7 +2405,7 @@
           <a:p>
             <a:fld id="{CD88FA10-319D-485D-91F6-6DF57CCD699B}" type="datetimeFigureOut">
               <a:rPr lang="en-SG" smtClean="0"/>
-              <a:t>23/10/2020</a:t>
+              <a:t>6/11/2020</a:t>
             </a:fld>
             <a:endParaRPr lang="en-SG"/>
           </a:p>
@@ -2694,7 +2694,7 @@
           <a:p>
             <a:fld id="{CD88FA10-319D-485D-91F6-6DF57CCD699B}" type="datetimeFigureOut">
               <a:rPr lang="en-SG" smtClean="0"/>
-              <a:t>23/10/2020</a:t>
+              <a:t>6/11/2020</a:t>
             </a:fld>
             <a:endParaRPr lang="en-SG"/>
           </a:p>
@@ -2937,7 +2937,7 @@
           <a:p>
             <a:fld id="{CD88FA10-319D-485D-91F6-6DF57CCD699B}" type="datetimeFigureOut">
               <a:rPr lang="en-SG" smtClean="0"/>
-              <a:t>23/10/2020</a:t>
+              <a:t>6/11/2020</a:t>
             </a:fld>
             <a:endParaRPr lang="en-SG"/>
           </a:p>
@@ -4057,15 +4057,18 @@
               </a:ext>
             </a:extLst>
           </p:cNvPr>
-          <p:cNvCxnSpPr/>
+          <p:cNvCxnSpPr>
+            <a:cxnSpLocks/>
+            <a:stCxn id="5" idx="1"/>
+          </p:cNvCxnSpPr>
           <p:nvPr/>
         </p:nvCxnSpPr>
         <p:spPr>
-          <a:xfrm rot="5400000">
-            <a:off x="1195432" y="2697061"/>
-            <a:ext cx="4295164" cy="1686187"/>
-          </a:xfrm>
-          <a:prstGeom prst="bentConnector3">
+          <a:xfrm rot="10800000" flipV="1">
+            <a:off x="2499926" y="1329655"/>
+            <a:ext cx="1853963" cy="4358082"/>
+          </a:xfrm>
+          <a:prstGeom prst="bentConnector2">
             <a:avLst/>
           </a:prstGeom>
           <a:ln>
@@ -4596,15 +4599,18 @@
               </a:ext>
             </a:extLst>
           </p:cNvPr>
-          <p:cNvCxnSpPr/>
+          <p:cNvCxnSpPr>
+            <a:cxnSpLocks/>
+            <a:endCxn id="5" idx="1"/>
+          </p:cNvCxnSpPr>
           <p:nvPr/>
         </p:nvCxnSpPr>
         <p:spPr>
           <a:xfrm rot="5400000" flipH="1" flipV="1">
-            <a:off x="1472268" y="3116510"/>
-            <a:ext cx="4387442" cy="1912690"/>
-          </a:xfrm>
-          <a:prstGeom prst="bentConnector3">
+            <a:off x="1132514" y="2822895"/>
+            <a:ext cx="4605556" cy="1619077"/>
+          </a:xfrm>
+          <a:prstGeom prst="bentConnector2">
             <a:avLst/>
           </a:prstGeom>
           <a:ln>
@@ -4635,15 +4641,18 @@
               </a:ext>
             </a:extLst>
           </p:cNvPr>
-          <p:cNvCxnSpPr/>
+          <p:cNvCxnSpPr>
+            <a:cxnSpLocks/>
+            <a:stCxn id="5" idx="3"/>
+          </p:cNvCxnSpPr>
           <p:nvPr/>
         </p:nvCxnSpPr>
         <p:spPr>
-          <a:xfrm rot="16200000" flipH="1">
-            <a:off x="6258187" y="2776755"/>
-            <a:ext cx="4236441" cy="1585519"/>
-          </a:xfrm>
-          <a:prstGeom prst="bentConnector3">
+          <a:xfrm>
+            <a:off x="7743040" y="1329655"/>
+            <a:ext cx="1560351" cy="4362276"/>
+          </a:xfrm>
+          <a:prstGeom prst="bentConnector2">
             <a:avLst/>
           </a:prstGeom>
           <a:ln>
@@ -4679,7 +4688,7 @@
         </p:nvSpPr>
         <p:spPr>
           <a:xfrm>
-            <a:off x="2936149" y="3703522"/>
+            <a:off x="2625752" y="3346990"/>
             <a:ext cx="2038524" cy="369332"/>
           </a:xfrm>
           <a:prstGeom prst="rect">
@@ -4715,7 +4724,7 @@
         </p:nvSpPr>
         <p:spPr>
           <a:xfrm>
-            <a:off x="7877264" y="3200182"/>
+            <a:off x="8447714" y="3355378"/>
             <a:ext cx="2038524" cy="369332"/>
           </a:xfrm>
           <a:prstGeom prst="rect">
@@ -5167,15 +5176,18 @@
               </a:ext>
             </a:extLst>
           </p:cNvPr>
-          <p:cNvCxnSpPr/>
+          <p:cNvCxnSpPr>
+            <a:cxnSpLocks/>
+            <a:stCxn id="5" idx="1"/>
+          </p:cNvCxnSpPr>
           <p:nvPr/>
         </p:nvCxnSpPr>
         <p:spPr>
-          <a:xfrm rot="5400000">
-            <a:off x="1195432" y="2697061"/>
-            <a:ext cx="4295164" cy="1686187"/>
-          </a:xfrm>
-          <a:prstGeom prst="bentConnector3">
+          <a:xfrm rot="10800000" flipV="1">
+            <a:off x="2499924" y="1329655"/>
+            <a:ext cx="1853965" cy="4358082"/>
+          </a:xfrm>
+          <a:prstGeom prst="bentConnector2">
             <a:avLst/>
           </a:prstGeom>
           <a:ln>
@@ -7257,12 +7269,120 @@
           </a:p>
         </p:txBody>
       </p:sp>
+      <p:sp>
+        <p:nvSpPr>
+          <p:cNvPr id="34" name="TextBox 33">
+            <a:extLst>
+              <a:ext uri="{FF2B5EF4-FFF2-40B4-BE49-F238E27FC236}">
+                <a16:creationId xmlns:a16="http://schemas.microsoft.com/office/drawing/2014/main" id="{C5C53087-ED84-4AE3-A3C5-45521A20B538}"/>
+              </a:ext>
+            </a:extLst>
+          </p:cNvPr>
+          <p:cNvSpPr txBox="1"/>
+          <p:nvPr/>
+        </p:nvSpPr>
+        <p:spPr>
+          <a:xfrm>
+            <a:off x="5489196" y="5115931"/>
+            <a:ext cx="704674" cy="369332"/>
+          </a:xfrm>
+          <a:prstGeom prst="rect">
+            <a:avLst/>
+          </a:prstGeom>
+          <a:noFill/>
+        </p:spPr>
+        <p:txBody>
+          <a:bodyPr wrap="square" rtlCol="0">
+            <a:spAutoFit/>
+          </a:bodyPr>
+          <a:lstStyle/>
+          <a:p>
+            <a:r>
+              <a:rPr lang="en-US" dirty="0"/>
+              <a:t>Time</a:t>
+            </a:r>
+            <a:endParaRPr lang="en-SG" dirty="0"/>
+          </a:p>
+        </p:txBody>
+      </p:sp>
+      <p:sp>
+        <p:nvSpPr>
+          <p:cNvPr id="35" name="TextBox 34">
+            <a:extLst>
+              <a:ext uri="{FF2B5EF4-FFF2-40B4-BE49-F238E27FC236}">
+                <a16:creationId xmlns:a16="http://schemas.microsoft.com/office/drawing/2014/main" id="{D66DFC38-6731-4651-937C-C9FAC4E3B51C}"/>
+              </a:ext>
+            </a:extLst>
+          </p:cNvPr>
+          <p:cNvSpPr txBox="1"/>
+          <p:nvPr/>
+        </p:nvSpPr>
+        <p:spPr>
+          <a:xfrm>
+            <a:off x="9936759" y="4531194"/>
+            <a:ext cx="1426128" cy="369332"/>
+          </a:xfrm>
+          <a:prstGeom prst="rect">
+            <a:avLst/>
+          </a:prstGeom>
+          <a:noFill/>
+        </p:spPr>
+        <p:txBody>
+          <a:bodyPr wrap="square" rtlCol="0">
+            <a:spAutoFit/>
+          </a:bodyPr>
+          <a:lstStyle/>
+          <a:p>
+            <a:r>
+              <a:rPr lang="en-US" dirty="0"/>
+              <a:t>Current State</a:t>
+            </a:r>
+            <a:endParaRPr lang="en-SG" dirty="0"/>
+          </a:p>
+        </p:txBody>
+      </p:sp>
+      <p:sp>
+        <p:nvSpPr>
+          <p:cNvPr id="36" name="TextBox 35">
+            <a:extLst>
+              <a:ext uri="{FF2B5EF4-FFF2-40B4-BE49-F238E27FC236}">
+                <a16:creationId xmlns:a16="http://schemas.microsoft.com/office/drawing/2014/main" id="{7B9DEA6B-7455-49BA-896C-B5F358068DA9}"/>
+              </a:ext>
+            </a:extLst>
+          </p:cNvPr>
+          <p:cNvSpPr txBox="1"/>
+          <p:nvPr/>
+        </p:nvSpPr>
+        <p:spPr>
+          <a:xfrm>
+            <a:off x="7675925" y="3314698"/>
+            <a:ext cx="2055303" cy="369332"/>
+          </a:xfrm>
+          <a:prstGeom prst="rect">
+            <a:avLst/>
+          </a:prstGeom>
+          <a:noFill/>
+        </p:spPr>
+        <p:txBody>
+          <a:bodyPr wrap="square" rtlCol="0">
+            <a:spAutoFit/>
+          </a:bodyPr>
+          <a:lstStyle/>
+          <a:p>
+            <a:r>
+              <a:rPr lang="en-US" dirty="0"/>
+              <a:t>Was in redo deque</a:t>
+            </a:r>
+            <a:endParaRPr lang="en-SG" dirty="0"/>
+          </a:p>
+        </p:txBody>
+      </p:sp>
       <p:cxnSp>
         <p:nvCxnSpPr>
-          <p:cNvPr id="33" name="Straight Arrow Connector 32">
-            <a:extLst>
-              <a:ext uri="{FF2B5EF4-FFF2-40B4-BE49-F238E27FC236}">
-                <a16:creationId xmlns:a16="http://schemas.microsoft.com/office/drawing/2014/main" id="{D6DC85E9-DB30-40BA-AB74-EDEEF7F14A76}"/>
+          <p:cNvPr id="7" name="Straight Arrow Connector 6">
+            <a:extLst>
+              <a:ext uri="{FF2B5EF4-FFF2-40B4-BE49-F238E27FC236}">
+                <a16:creationId xmlns:a16="http://schemas.microsoft.com/office/drawing/2014/main" id="{778B1EB7-40BF-4F99-A5C7-22B88B6F019D}"/>
               </a:ext>
             </a:extLst>
           </p:cNvPr>
@@ -7270,15 +7390,14 @@
           <p:nvPr/>
         </p:nvCxnSpPr>
         <p:spPr>
-          <a:xfrm flipV="1">
-            <a:off x="1191236" y="4991450"/>
-            <a:ext cx="10142290" cy="67112"/>
+          <a:xfrm>
+            <a:off x="1199626" y="5115931"/>
+            <a:ext cx="10091956" cy="0"/>
           </a:xfrm>
           <a:prstGeom prst="straightConnector1">
             <a:avLst/>
           </a:prstGeom>
           <a:ln>
-            <a:headEnd type="triangle"/>
             <a:tailEnd type="triangle"/>
           </a:ln>
         </p:spPr>
@@ -7297,114 +7416,6 @@
           </a:fontRef>
         </p:style>
       </p:cxnSp>
-      <p:sp>
-        <p:nvSpPr>
-          <p:cNvPr id="34" name="TextBox 33">
-            <a:extLst>
-              <a:ext uri="{FF2B5EF4-FFF2-40B4-BE49-F238E27FC236}">
-                <a16:creationId xmlns:a16="http://schemas.microsoft.com/office/drawing/2014/main" id="{C5C53087-ED84-4AE3-A3C5-45521A20B538}"/>
-              </a:ext>
-            </a:extLst>
-          </p:cNvPr>
-          <p:cNvSpPr txBox="1"/>
-          <p:nvPr/>
-        </p:nvSpPr>
-        <p:spPr>
-          <a:xfrm>
-            <a:off x="5489196" y="5115931"/>
-            <a:ext cx="704674" cy="369332"/>
-          </a:xfrm>
-          <a:prstGeom prst="rect">
-            <a:avLst/>
-          </a:prstGeom>
-          <a:noFill/>
-        </p:spPr>
-        <p:txBody>
-          <a:bodyPr wrap="square" rtlCol="0">
-            <a:spAutoFit/>
-          </a:bodyPr>
-          <a:lstStyle/>
-          <a:p>
-            <a:r>
-              <a:rPr lang="en-US" dirty="0"/>
-              <a:t>Time</a:t>
-            </a:r>
-            <a:endParaRPr lang="en-SG" dirty="0"/>
-          </a:p>
-        </p:txBody>
-      </p:sp>
-      <p:sp>
-        <p:nvSpPr>
-          <p:cNvPr id="35" name="TextBox 34">
-            <a:extLst>
-              <a:ext uri="{FF2B5EF4-FFF2-40B4-BE49-F238E27FC236}">
-                <a16:creationId xmlns:a16="http://schemas.microsoft.com/office/drawing/2014/main" id="{D66DFC38-6731-4651-937C-C9FAC4E3B51C}"/>
-              </a:ext>
-            </a:extLst>
-          </p:cNvPr>
-          <p:cNvSpPr txBox="1"/>
-          <p:nvPr/>
-        </p:nvSpPr>
-        <p:spPr>
-          <a:xfrm>
-            <a:off x="9936759" y="4531194"/>
-            <a:ext cx="1426128" cy="369332"/>
-          </a:xfrm>
-          <a:prstGeom prst="rect">
-            <a:avLst/>
-          </a:prstGeom>
-          <a:noFill/>
-        </p:spPr>
-        <p:txBody>
-          <a:bodyPr wrap="square" rtlCol="0">
-            <a:spAutoFit/>
-          </a:bodyPr>
-          <a:lstStyle/>
-          <a:p>
-            <a:r>
-              <a:rPr lang="en-US" dirty="0"/>
-              <a:t>Current State</a:t>
-            </a:r>
-            <a:endParaRPr lang="en-SG" dirty="0"/>
-          </a:p>
-        </p:txBody>
-      </p:sp>
-      <p:sp>
-        <p:nvSpPr>
-          <p:cNvPr id="36" name="TextBox 35">
-            <a:extLst>
-              <a:ext uri="{FF2B5EF4-FFF2-40B4-BE49-F238E27FC236}">
-                <a16:creationId xmlns:a16="http://schemas.microsoft.com/office/drawing/2014/main" id="{7B9DEA6B-7455-49BA-896C-B5F358068DA9}"/>
-              </a:ext>
-            </a:extLst>
-          </p:cNvPr>
-          <p:cNvSpPr txBox="1"/>
-          <p:nvPr/>
-        </p:nvSpPr>
-        <p:spPr>
-          <a:xfrm>
-            <a:off x="7675925" y="3314698"/>
-            <a:ext cx="2055303" cy="369332"/>
-          </a:xfrm>
-          <a:prstGeom prst="rect">
-            <a:avLst/>
-          </a:prstGeom>
-          <a:noFill/>
-        </p:spPr>
-        <p:txBody>
-          <a:bodyPr wrap="square" rtlCol="0">
-            <a:spAutoFit/>
-          </a:bodyPr>
-          <a:lstStyle/>
-          <a:p>
-            <a:r>
-              <a:rPr lang="en-US" dirty="0"/>
-              <a:t>Was in redo deque</a:t>
-            </a:r>
-            <a:endParaRPr lang="en-SG" dirty="0"/>
-          </a:p>
-        </p:txBody>
-      </p:sp>
     </p:spTree>
     <p:extLst>
       <p:ext uri="{BB962C8B-B14F-4D97-AF65-F5344CB8AC3E}">
